--- a/tutorial/cc4sr-part3.pptx
+++ b/tutorial/cc4sr-part3.pptx
@@ -259,7 +259,7 @@
           <a:p>
             <a:fld id="{F96926F4-2A8D-438C-929D-3BC70A59EBF6}" type="datetimeFigureOut">
               <a:rPr lang="en-US" smtClean="0"/>
-              <a:t>3/28/2017</a:t>
+              <a:t>4/2/2017</a:t>
             </a:fld>
             <a:endParaRPr lang="en-US"/>
           </a:p>
@@ -427,7 +427,7 @@
           <a:p>
             <a:fld id="{F96926F4-2A8D-438C-929D-3BC70A59EBF6}" type="datetimeFigureOut">
               <a:rPr lang="en-US" smtClean="0"/>
-              <a:t>3/28/2017</a:t>
+              <a:t>4/2/2017</a:t>
             </a:fld>
             <a:endParaRPr lang="en-US"/>
           </a:p>
@@ -605,7 +605,7 @@
           <a:p>
             <a:fld id="{F96926F4-2A8D-438C-929D-3BC70A59EBF6}" type="datetimeFigureOut">
               <a:rPr lang="en-US" smtClean="0"/>
-              <a:t>3/28/2017</a:t>
+              <a:t>4/2/2017</a:t>
             </a:fld>
             <a:endParaRPr lang="en-US"/>
           </a:p>
@@ -773,7 +773,7 @@
           <a:p>
             <a:fld id="{F96926F4-2A8D-438C-929D-3BC70A59EBF6}" type="datetimeFigureOut">
               <a:rPr lang="en-US" smtClean="0"/>
-              <a:t>3/28/2017</a:t>
+              <a:t>4/2/2017</a:t>
             </a:fld>
             <a:endParaRPr lang="en-US"/>
           </a:p>
@@ -1018,7 +1018,7 @@
           <a:p>
             <a:fld id="{F96926F4-2A8D-438C-929D-3BC70A59EBF6}" type="datetimeFigureOut">
               <a:rPr lang="en-US" smtClean="0"/>
-              <a:t>3/28/2017</a:t>
+              <a:t>4/2/2017</a:t>
             </a:fld>
             <a:endParaRPr lang="en-US"/>
           </a:p>
@@ -1247,7 +1247,7 @@
           <a:p>
             <a:fld id="{F96926F4-2A8D-438C-929D-3BC70A59EBF6}" type="datetimeFigureOut">
               <a:rPr lang="en-US" smtClean="0"/>
-              <a:t>3/28/2017</a:t>
+              <a:t>4/2/2017</a:t>
             </a:fld>
             <a:endParaRPr lang="en-US"/>
           </a:p>
@@ -1611,7 +1611,7 @@
           <a:p>
             <a:fld id="{F96926F4-2A8D-438C-929D-3BC70A59EBF6}" type="datetimeFigureOut">
               <a:rPr lang="en-US" smtClean="0"/>
-              <a:t>3/28/2017</a:t>
+              <a:t>4/2/2017</a:t>
             </a:fld>
             <a:endParaRPr lang="en-US"/>
           </a:p>
@@ -1728,7 +1728,7 @@
           <a:p>
             <a:fld id="{F96926F4-2A8D-438C-929D-3BC70A59EBF6}" type="datetimeFigureOut">
               <a:rPr lang="en-US" smtClean="0"/>
-              <a:t>3/28/2017</a:t>
+              <a:t>4/2/2017</a:t>
             </a:fld>
             <a:endParaRPr lang="en-US"/>
           </a:p>
@@ -1823,7 +1823,7 @@
           <a:p>
             <a:fld id="{F96926F4-2A8D-438C-929D-3BC70A59EBF6}" type="datetimeFigureOut">
               <a:rPr lang="en-US" smtClean="0"/>
-              <a:t>3/28/2017</a:t>
+              <a:t>4/2/2017</a:t>
             </a:fld>
             <a:endParaRPr lang="en-US"/>
           </a:p>
@@ -2098,7 +2098,7 @@
           <a:p>
             <a:fld id="{F96926F4-2A8D-438C-929D-3BC70A59EBF6}" type="datetimeFigureOut">
               <a:rPr lang="en-US" smtClean="0"/>
-              <a:t>3/28/2017</a:t>
+              <a:t>4/2/2017</a:t>
             </a:fld>
             <a:endParaRPr lang="en-US"/>
           </a:p>
@@ -2350,7 +2350,7 @@
           <a:p>
             <a:fld id="{F96926F4-2A8D-438C-929D-3BC70A59EBF6}" type="datetimeFigureOut">
               <a:rPr lang="en-US" smtClean="0"/>
-              <a:t>3/28/2017</a:t>
+              <a:t>4/2/2017</a:t>
             </a:fld>
             <a:endParaRPr lang="en-US"/>
           </a:p>
@@ -2561,7 +2561,7 @@
           <a:p>
             <a:fld id="{F96926F4-2A8D-438C-929D-3BC70A59EBF6}" type="datetimeFigureOut">
               <a:rPr lang="en-US" smtClean="0"/>
-              <a:t>3/28/2017</a:t>
+              <a:t>4/2/2017</a:t>
             </a:fld>
             <a:endParaRPr lang="en-US"/>
           </a:p>
@@ -5548,7 +5548,12 @@
             <p:ph idx="1"/>
           </p:nvPr>
         </p:nvSpPr>
-        <p:spPr/>
+        <p:spPr>
+          <a:xfrm>
+            <a:off x="838200" y="1453116"/>
+            <a:ext cx="10515600" cy="4723847"/>
+          </a:xfrm>
+        </p:spPr>
         <p:txBody>
           <a:bodyPr>
             <a:normAutofit/>
@@ -5564,64 +5569,83 @@
             <a:pPr lvl="1"/>
             <a:r>
               <a:rPr lang="en-US" dirty="0"/>
-              <a:t>download this the k-means demo </a:t>
+              <a:t>run dbgannon/tutorial</a:t>
             </a:r>
             <a:br>
               <a:rPr lang="en-US" dirty="0"/>
             </a:br>
             <a:r>
               <a:rPr lang="en-US" dirty="0"/>
-              <a:t>	</a:t>
+              <a:t> run -it --</a:t>
+            </a:r>
+            <a:r>
+              <a:rPr lang="en-US" dirty="0" err="1"/>
+              <a:t>rm</a:t>
+            </a:r>
+            <a:r>
+              <a:rPr lang="en-US" dirty="0"/>
+              <a:t> -p 8888:8888  dbgannon/tutorial</a:t>
+            </a:r>
+          </a:p>
+          <a:p>
+            <a:pPr lvl="1"/>
+            <a:r>
+              <a:rPr lang="en-US" dirty="0"/>
+              <a:t>You should see the </a:t>
+            </a:r>
+            <a:r>
+              <a:rPr lang="en-US" dirty="0" err="1"/>
+              <a:t>spark.ipynb</a:t>
+            </a:r>
+            <a:r>
+              <a:rPr lang="en-US" dirty="0"/>
+              <a:t> in the </a:t>
+            </a:r>
+            <a:r>
+              <a:rPr lang="en-US" dirty="0" err="1"/>
+              <a:t>notbooks</a:t>
+            </a:r>
+            <a:r>
+              <a:rPr lang="en-US" dirty="0"/>
+              <a:t>.   Fire it up.   Make sure it is running with kernel python 2 and shutdown other big apps.   This needs memory!</a:t>
+            </a:r>
+          </a:p>
+          <a:p>
+            <a:r>
+              <a:rPr lang="en-US" dirty="0"/>
+              <a:t>If you don’t have docker, but do have the data science </a:t>
+            </a:r>
+            <a:r>
+              <a:rPr lang="en-US" dirty="0" err="1"/>
+              <a:t>vm</a:t>
+            </a:r>
+            <a:r>
+              <a:rPr lang="en-US" dirty="0"/>
+              <a:t>:</a:t>
+            </a:r>
+          </a:p>
+          <a:p>
+            <a:pPr lvl="1"/>
+            <a:r>
+              <a:rPr lang="en-US" dirty="0"/>
+              <a:t>Go to </a:t>
             </a:r>
             <a:r>
               <a:rPr lang="en-US" dirty="0">
                 <a:hlinkClick r:id="rId2"/>
               </a:rPr>
-              <a:t>https://sciengcloud.github.io/spark.ipynb</a:t>
-            </a:r>
-            <a:br>
-              <a:rPr lang="en-US" dirty="0"/>
-            </a:br>
-            <a:r>
-              <a:rPr lang="en-US" dirty="0"/>
-              <a:t>	to a local directory called notebooks</a:t>
+              <a:t>https://your-vm-ip:8000</a:t>
+            </a:r>
+            <a:r>
+              <a:rPr lang="en-US" dirty="0"/>
+              <a:t> and login.</a:t>
             </a:r>
           </a:p>
           <a:p>
             <a:pPr lvl="1"/>
             <a:r>
               <a:rPr lang="en-US" dirty="0"/>
-              <a:t>run dbgannon/tutorial</a:t>
-            </a:r>
-            <a:br>
-              <a:rPr lang="en-US" dirty="0"/>
-            </a:br>
-            <a:r>
-              <a:rPr lang="en-US" dirty="0"/>
-              <a:t> run -it --</a:t>
-            </a:r>
-            <a:r>
-              <a:rPr lang="en-US" dirty="0" err="1"/>
-              <a:t>rm</a:t>
-            </a:r>
-            <a:r>
-              <a:rPr lang="en-US" dirty="0"/>
-              <a:t> -p 8888:8888  -v /Users/you/notebooks:/home/</a:t>
-            </a:r>
-            <a:r>
-              <a:rPr lang="en-US" dirty="0" err="1"/>
-              <a:t>joyvan</a:t>
-            </a:r>
-            <a:r>
-              <a:rPr lang="en-US" dirty="0"/>
-              <a:t>/work \ 		dbgannon/tutorial</a:t>
-            </a:r>
-          </a:p>
-          <a:p>
-            <a:pPr lvl="1"/>
-            <a:r>
-              <a:rPr lang="en-US" dirty="0"/>
-              <a:t>You should see the </a:t>
+              <a:t>Upload </a:t>
             </a:r>
             <a:r>
               <a:rPr lang="en-US" dirty="0" err="1"/>
@@ -5629,13 +5653,21 @@
             </a:r>
             <a:r>
               <a:rPr lang="en-US" dirty="0"/>
-              <a:t>.   Fire it up.   Make sure it is running with kernel python 2 and shutdown other big apps.   This needs memory!</a:t>
-            </a:r>
-          </a:p>
-          <a:p>
-            <a:r>
-              <a:rPr lang="en-US" dirty="0"/>
-              <a:t>Signup for https://notebooks.azure.com</a:t>
+              <a:t> from the tutorial </a:t>
+            </a:r>
+            <a:r>
+              <a:rPr lang="en-US" dirty="0" err="1"/>
+              <a:t>tarball</a:t>
+            </a:r>
+            <a:r>
+              <a:rPr lang="en-US" dirty="0"/>
+              <a:t> folder</a:t>
+            </a:r>
+          </a:p>
+          <a:p>
+            <a:r>
+              <a:rPr lang="en-US" dirty="0"/>
+              <a:t>For something different: Signup for https://notebooks.azure.com</a:t>
             </a:r>
           </a:p>
           <a:p>
